--- a/iii.MotifDiscovery&SecondaryStructure/Outputs/MotifAnalysis/Mtif_analysis.pptx
+++ b/iii.MotifDiscovery&SecondaryStructure/Outputs/MotifAnalysis/Mtif_analysis.pptx
@@ -5,10 +5,11 @@
     <p:sldMasterId id="2147483648" r:id="rId1"/>
   </p:sldMasterIdLst>
   <p:sldIdLst>
-    <p:sldId id="257" r:id="rId2"/>
-    <p:sldId id="259" r:id="rId3"/>
-    <p:sldId id="258" r:id="rId4"/>
-    <p:sldId id="260" r:id="rId5"/>
+    <p:sldId id="259" r:id="rId2"/>
+    <p:sldId id="260" r:id="rId3"/>
+    <p:sldId id="257" r:id="rId4"/>
+    <p:sldId id="258" r:id="rId5"/>
+    <p:sldId id="262" r:id="rId6"/>
   </p:sldIdLst>
   <p:sldSz cx="12192000" cy="6858000"/>
   <p:notesSz cx="6858000" cy="9144000"/>
@@ -262,7 +263,7 @@
           <a:p>
             <a:fld id="{A7E7D5C5-97A4-44FA-81B6-1D40C5835B2E}" type="datetimeFigureOut">
               <a:rPr lang="en-US" smtClean="0"/>
-              <a:t>2/28/2023</a:t>
+              <a:t>3/1/23</a:t>
             </a:fld>
             <a:endParaRPr lang="en-US"/>
           </a:p>
@@ -460,7 +461,7 @@
           <a:p>
             <a:fld id="{A7E7D5C5-97A4-44FA-81B6-1D40C5835B2E}" type="datetimeFigureOut">
               <a:rPr lang="en-US" smtClean="0"/>
-              <a:t>2/28/2023</a:t>
+              <a:t>3/1/23</a:t>
             </a:fld>
             <a:endParaRPr lang="en-US"/>
           </a:p>
@@ -668,7 +669,7 @@
           <a:p>
             <a:fld id="{A7E7D5C5-97A4-44FA-81B6-1D40C5835B2E}" type="datetimeFigureOut">
               <a:rPr lang="en-US" smtClean="0"/>
-              <a:t>2/28/2023</a:t>
+              <a:t>3/1/23</a:t>
             </a:fld>
             <a:endParaRPr lang="en-US"/>
           </a:p>
@@ -866,7 +867,7 @@
           <a:p>
             <a:fld id="{A7E7D5C5-97A4-44FA-81B6-1D40C5835B2E}" type="datetimeFigureOut">
               <a:rPr lang="en-US" smtClean="0"/>
-              <a:t>2/28/2023</a:t>
+              <a:t>3/1/23</a:t>
             </a:fld>
             <a:endParaRPr lang="en-US"/>
           </a:p>
@@ -1141,7 +1142,7 @@
           <a:p>
             <a:fld id="{A7E7D5C5-97A4-44FA-81B6-1D40C5835B2E}" type="datetimeFigureOut">
               <a:rPr lang="en-US" smtClean="0"/>
-              <a:t>2/28/2023</a:t>
+              <a:t>3/1/23</a:t>
             </a:fld>
             <a:endParaRPr lang="en-US"/>
           </a:p>
@@ -1406,7 +1407,7 @@
           <a:p>
             <a:fld id="{A7E7D5C5-97A4-44FA-81B6-1D40C5835B2E}" type="datetimeFigureOut">
               <a:rPr lang="en-US" smtClean="0"/>
-              <a:t>2/28/2023</a:t>
+              <a:t>3/1/23</a:t>
             </a:fld>
             <a:endParaRPr lang="en-US"/>
           </a:p>
@@ -1818,7 +1819,7 @@
           <a:p>
             <a:fld id="{A7E7D5C5-97A4-44FA-81B6-1D40C5835B2E}" type="datetimeFigureOut">
               <a:rPr lang="en-US" smtClean="0"/>
-              <a:t>2/28/2023</a:t>
+              <a:t>3/1/23</a:t>
             </a:fld>
             <a:endParaRPr lang="en-US"/>
           </a:p>
@@ -1959,7 +1960,7 @@
           <a:p>
             <a:fld id="{A7E7D5C5-97A4-44FA-81B6-1D40C5835B2E}" type="datetimeFigureOut">
               <a:rPr lang="en-US" smtClean="0"/>
-              <a:t>2/28/2023</a:t>
+              <a:t>3/1/23</a:t>
             </a:fld>
             <a:endParaRPr lang="en-US"/>
           </a:p>
@@ -2072,7 +2073,7 @@
           <a:p>
             <a:fld id="{A7E7D5C5-97A4-44FA-81B6-1D40C5835B2E}" type="datetimeFigureOut">
               <a:rPr lang="en-US" smtClean="0"/>
-              <a:t>2/28/2023</a:t>
+              <a:t>3/1/23</a:t>
             </a:fld>
             <a:endParaRPr lang="en-US"/>
           </a:p>
@@ -2383,7 +2384,7 @@
           <a:p>
             <a:fld id="{A7E7D5C5-97A4-44FA-81B6-1D40C5835B2E}" type="datetimeFigureOut">
               <a:rPr lang="en-US" smtClean="0"/>
-              <a:t>2/28/2023</a:t>
+              <a:t>3/1/23</a:t>
             </a:fld>
             <a:endParaRPr lang="en-US"/>
           </a:p>
@@ -2671,7 +2672,7 @@
           <a:p>
             <a:fld id="{A7E7D5C5-97A4-44FA-81B6-1D40C5835B2E}" type="datetimeFigureOut">
               <a:rPr lang="en-US" smtClean="0"/>
-              <a:t>2/28/2023</a:t>
+              <a:t>3/1/23</a:t>
             </a:fld>
             <a:endParaRPr lang="en-US"/>
           </a:p>
@@ -2912,7 +2913,7 @@
           <a:p>
             <a:fld id="{A7E7D5C5-97A4-44FA-81B6-1D40C5835B2E}" type="datetimeFigureOut">
               <a:rPr lang="en-US" smtClean="0"/>
-              <a:t>2/28/2023</a:t>
+              <a:t>3/1/23</a:t>
             </a:fld>
             <a:endParaRPr lang="en-US"/>
           </a:p>
@@ -3331,6 +3332,138 @@
       </p:grpSpPr>
       <p:pic>
         <p:nvPicPr>
+          <p:cNvPr id="11" name="Picture 10" descr="Diagram, schematic&#10;&#10;Description automatically generated">
+            <a:extLst>
+              <a:ext uri="{FF2B5EF4-FFF2-40B4-BE49-F238E27FC236}">
+                <a16:creationId xmlns:a16="http://schemas.microsoft.com/office/drawing/2014/main" id="{63D3599A-0252-83B8-6BFE-4AACEA5920B1}"/>
+              </a:ext>
+            </a:extLst>
+          </p:cNvPr>
+          <p:cNvPicPr>
+            <a:picLocks noChangeAspect="1"/>
+          </p:cNvPicPr>
+          <p:nvPr/>
+        </p:nvPicPr>
+        <p:blipFill>
+          <a:blip r:embed="rId2">
+            <a:extLst>
+              <a:ext uri="{28A0092B-C50C-407E-A947-70E740481C1C}">
+                <a14:useLocalDpi xmlns:a14="http://schemas.microsoft.com/office/drawing/2010/main" val="0"/>
+              </a:ext>
+            </a:extLst>
+          </a:blip>
+          <a:stretch>
+            <a:fillRect/>
+          </a:stretch>
+        </p:blipFill>
+        <p:spPr>
+          <a:xfrm>
+            <a:off x="0" y="42333"/>
+            <a:ext cx="12192000" cy="6773334"/>
+          </a:xfrm>
+          <a:prstGeom prst="rect">
+            <a:avLst/>
+          </a:prstGeom>
+        </p:spPr>
+      </p:pic>
+    </p:spTree>
+    <p:extLst>
+      <p:ext uri="{BB962C8B-B14F-4D97-AF65-F5344CB8AC3E}">
+        <p14:creationId xmlns:p14="http://schemas.microsoft.com/office/powerpoint/2010/main" val="357655141"/>
+      </p:ext>
+    </p:extLst>
+  </p:cSld>
+  <p:clrMapOvr>
+    <a:masterClrMapping/>
+  </p:clrMapOvr>
+</p:sld>
+</file>
+
+<file path=ppt/slides/slide2.xml><?xml version="1.0" encoding="utf-8"?>
+<p:sld xmlns:a="http://schemas.openxmlformats.org/drawingml/2006/main" xmlns:r="http://schemas.openxmlformats.org/officeDocument/2006/relationships" xmlns:p="http://schemas.openxmlformats.org/presentationml/2006/main">
+  <p:cSld>
+    <p:spTree>
+      <p:nvGrpSpPr>
+        <p:cNvPr id="1" name=""/>
+        <p:cNvGrpSpPr/>
+        <p:nvPr/>
+      </p:nvGrpSpPr>
+      <p:grpSpPr>
+        <a:xfrm>
+          <a:off x="0" y="0"/>
+          <a:ext cx="0" cy="0"/>
+          <a:chOff x="0" y="0"/>
+          <a:chExt cx="0" cy="0"/>
+        </a:xfrm>
+      </p:grpSpPr>
+      <p:pic>
+        <p:nvPicPr>
+          <p:cNvPr id="5" name="Picture 4">
+            <a:extLst>
+              <a:ext uri="{FF2B5EF4-FFF2-40B4-BE49-F238E27FC236}">
+                <a16:creationId xmlns:a16="http://schemas.microsoft.com/office/drawing/2014/main" id="{9600D653-B276-778C-1A9B-9E21D54954C7}"/>
+              </a:ext>
+            </a:extLst>
+          </p:cNvPr>
+          <p:cNvPicPr>
+            <a:picLocks noChangeAspect="1"/>
+          </p:cNvPicPr>
+          <p:nvPr/>
+        </p:nvPicPr>
+        <p:blipFill>
+          <a:blip r:embed="rId2">
+            <a:extLst>
+              <a:ext uri="{28A0092B-C50C-407E-A947-70E740481C1C}">
+                <a14:useLocalDpi xmlns:a14="http://schemas.microsoft.com/office/drawing/2010/main" val="0"/>
+              </a:ext>
+            </a:extLst>
+          </a:blip>
+          <a:stretch>
+            <a:fillRect/>
+          </a:stretch>
+        </p:blipFill>
+        <p:spPr>
+          <a:xfrm>
+            <a:off x="952500" y="0"/>
+            <a:ext cx="10287000" cy="6858000"/>
+          </a:xfrm>
+          <a:prstGeom prst="rect">
+            <a:avLst/>
+          </a:prstGeom>
+        </p:spPr>
+      </p:pic>
+    </p:spTree>
+    <p:extLst>
+      <p:ext uri="{BB962C8B-B14F-4D97-AF65-F5344CB8AC3E}">
+        <p14:creationId xmlns:p14="http://schemas.microsoft.com/office/powerpoint/2010/main" val="1438281667"/>
+      </p:ext>
+    </p:extLst>
+  </p:cSld>
+  <p:clrMapOvr>
+    <a:masterClrMapping/>
+  </p:clrMapOvr>
+</p:sld>
+</file>
+
+<file path=ppt/slides/slide3.xml><?xml version="1.0" encoding="utf-8"?>
+<p:sld xmlns:a="http://schemas.openxmlformats.org/drawingml/2006/main" xmlns:r="http://schemas.openxmlformats.org/officeDocument/2006/relationships" xmlns:p="http://schemas.openxmlformats.org/presentationml/2006/main">
+  <p:cSld>
+    <p:spTree>
+      <p:nvGrpSpPr>
+        <p:cNvPr id="1" name=""/>
+        <p:cNvGrpSpPr/>
+        <p:nvPr/>
+      </p:nvGrpSpPr>
+      <p:grpSpPr>
+        <a:xfrm>
+          <a:off x="0" y="0"/>
+          <a:ext cx="0" cy="0"/>
+          <a:chOff x="0" y="0"/>
+          <a:chExt cx="0" cy="0"/>
+        </a:xfrm>
+      </p:grpSpPr>
+      <p:pic>
+        <p:nvPicPr>
           <p:cNvPr id="14" name="Picture 13" descr="Chart, scatter chart&#10;&#10;Description automatically generated">
             <a:extLst>
               <a:ext uri="{FF2B5EF4-FFF2-40B4-BE49-F238E27FC236}">
@@ -6347,73 +6480,7 @@
 </p:sld>
 </file>
 
-<file path=ppt/slides/slide2.xml><?xml version="1.0" encoding="utf-8"?>
-<p:sld xmlns:a="http://schemas.openxmlformats.org/drawingml/2006/main" xmlns:r="http://schemas.openxmlformats.org/officeDocument/2006/relationships" xmlns:p="http://schemas.openxmlformats.org/presentationml/2006/main">
-  <p:cSld>
-    <p:spTree>
-      <p:nvGrpSpPr>
-        <p:cNvPr id="1" name=""/>
-        <p:cNvGrpSpPr/>
-        <p:nvPr/>
-      </p:nvGrpSpPr>
-      <p:grpSpPr>
-        <a:xfrm>
-          <a:off x="0" y="0"/>
-          <a:ext cx="0" cy="0"/>
-          <a:chOff x="0" y="0"/>
-          <a:chExt cx="0" cy="0"/>
-        </a:xfrm>
-      </p:grpSpPr>
-      <p:pic>
-        <p:nvPicPr>
-          <p:cNvPr id="11" name="Picture 10" descr="Diagram, schematic&#10;&#10;Description automatically generated">
-            <a:extLst>
-              <a:ext uri="{FF2B5EF4-FFF2-40B4-BE49-F238E27FC236}">
-                <a16:creationId xmlns:a16="http://schemas.microsoft.com/office/drawing/2014/main" id="{63D3599A-0252-83B8-6BFE-4AACEA5920B1}"/>
-              </a:ext>
-            </a:extLst>
-          </p:cNvPr>
-          <p:cNvPicPr>
-            <a:picLocks noChangeAspect="1"/>
-          </p:cNvPicPr>
-          <p:nvPr/>
-        </p:nvPicPr>
-        <p:blipFill>
-          <a:blip r:embed="rId2">
-            <a:extLst>
-              <a:ext uri="{28A0092B-C50C-407E-A947-70E740481C1C}">
-                <a14:useLocalDpi xmlns:a14="http://schemas.microsoft.com/office/drawing/2010/main" val="0"/>
-              </a:ext>
-            </a:extLst>
-          </a:blip>
-          <a:stretch>
-            <a:fillRect/>
-          </a:stretch>
-        </p:blipFill>
-        <p:spPr>
-          <a:xfrm>
-            <a:off x="0" y="42333"/>
-            <a:ext cx="12192000" cy="6773334"/>
-          </a:xfrm>
-          <a:prstGeom prst="rect">
-            <a:avLst/>
-          </a:prstGeom>
-        </p:spPr>
-      </p:pic>
-    </p:spTree>
-    <p:extLst>
-      <p:ext uri="{BB962C8B-B14F-4D97-AF65-F5344CB8AC3E}">
-        <p14:creationId xmlns:p14="http://schemas.microsoft.com/office/powerpoint/2010/main" val="357655141"/>
-      </p:ext>
-    </p:extLst>
-  </p:cSld>
-  <p:clrMapOvr>
-    <a:masterClrMapping/>
-  </p:clrMapOvr>
-</p:sld>
-</file>
-
-<file path=ppt/slides/slide3.xml><?xml version="1.0" encoding="utf-8"?>
+<file path=ppt/slides/slide4.xml><?xml version="1.0" encoding="utf-8"?>
 <p:sld xmlns:a="http://schemas.openxmlformats.org/drawingml/2006/main" xmlns:r="http://schemas.openxmlformats.org/officeDocument/2006/relationships" xmlns:p="http://schemas.openxmlformats.org/presentationml/2006/main">
   <p:cSld>
     <p:spTree>
@@ -10210,7 +10277,7 @@
 </p:sld>
 </file>
 
-<file path=ppt/slides/slide4.xml><?xml version="1.0" encoding="utf-8"?>
+<file path=ppt/slides/slide5.xml><?xml version="1.0" encoding="utf-8"?>
 <p:sld xmlns:a="http://schemas.openxmlformats.org/drawingml/2006/main" xmlns:r="http://schemas.openxmlformats.org/officeDocument/2006/relationships" xmlns:p="http://schemas.openxmlformats.org/presentationml/2006/main">
   <p:cSld>
     <p:spTree>
@@ -10229,10 +10296,10 @@
       </p:grpSpPr>
       <p:pic>
         <p:nvPicPr>
-          <p:cNvPr id="5" name="Picture 4">
+          <p:cNvPr id="3" name="Picture 2" descr="Chart, scatter chart&#10;&#10;Description automatically generated">
             <a:extLst>
               <a:ext uri="{FF2B5EF4-FFF2-40B4-BE49-F238E27FC236}">
-                <a16:creationId xmlns:a16="http://schemas.microsoft.com/office/drawing/2014/main" id="{9600D653-B276-778C-1A9B-9E21D54954C7}"/>
+                <a16:creationId xmlns:a16="http://schemas.microsoft.com/office/drawing/2014/main" id="{3D0674A0-5BB7-679A-2C5D-D302C33D21B7}"/>
               </a:ext>
             </a:extLst>
           </p:cNvPr>
@@ -10255,8 +10322,8 @@
         </p:blipFill>
         <p:spPr>
           <a:xfrm>
-            <a:off x="952500" y="0"/>
-            <a:ext cx="10287000" cy="6858000"/>
+            <a:off x="244698" y="240958"/>
+            <a:ext cx="11476954" cy="6376084"/>
           </a:xfrm>
           <a:prstGeom prst="rect">
             <a:avLst/>
@@ -10266,7 +10333,7 @@
     </p:spTree>
     <p:extLst>
       <p:ext uri="{BB962C8B-B14F-4D97-AF65-F5344CB8AC3E}">
-        <p14:creationId xmlns:p14="http://schemas.microsoft.com/office/powerpoint/2010/main" val="1438281667"/>
+        <p14:creationId xmlns:p14="http://schemas.microsoft.com/office/powerpoint/2010/main" val="2029471288"/>
       </p:ext>
     </p:extLst>
   </p:cSld>
